--- a/hw1/tree.pptx
+++ b/hw1/tree.pptx
@@ -4228,6 +4228,266 @@
           </a:fontRef>
         </p:style>
       </p:cxnSp>
+      <p:sp>
+        <p:nvSpPr>
+          <p:cNvPr id="48" name="TextBox 47"/>
+          <p:cNvSpPr txBox="1"/>
+          <p:nvPr/>
+        </p:nvSpPr>
+        <p:spPr>
+          <a:xfrm>
+            <a:off x="3424165" y="4114648"/>
+            <a:ext cx="931830" cy="369332"/>
+          </a:xfrm>
+          <a:prstGeom prst="rect">
+            <a:avLst/>
+          </a:prstGeom>
+        </p:spPr>
+        <p:style>
+          <a:lnRef idx="2">
+            <a:schemeClr val="accent1"/>
+          </a:lnRef>
+          <a:fillRef idx="1">
+            <a:schemeClr val="lt1"/>
+          </a:fillRef>
+          <a:effectRef idx="0">
+            <a:schemeClr val="accent1"/>
+          </a:effectRef>
+          <a:fontRef idx="minor">
+            <a:schemeClr val="dk1"/>
+          </a:fontRef>
+        </p:style>
+        <p:txBody>
+          <a:bodyPr wrap="square" rtlCol="0">
+            <a:spAutoFit/>
+          </a:bodyPr>
+          <a:lstStyle/>
+          <a:p>
+            <a:pPr algn="ctr"/>
+            <a:r>
+              <a:rPr lang="en-US" dirty="0" smtClean="0"/>
+              <a:t>B = C?</a:t>
+            </a:r>
+            <a:endParaRPr lang="en-US" dirty="0"/>
+          </a:p>
+        </p:txBody>
+      </p:sp>
+      <p:sp>
+        <p:nvSpPr>
+          <p:cNvPr id="49" name="TextBox 48"/>
+          <p:cNvSpPr txBox="1"/>
+          <p:nvPr/>
+        </p:nvSpPr>
+        <p:spPr>
+          <a:xfrm>
+            <a:off x="3321746" y="4910730"/>
+            <a:ext cx="372732" cy="369332"/>
+          </a:xfrm>
+          <a:prstGeom prst="rect">
+            <a:avLst/>
+          </a:prstGeom>
+        </p:spPr>
+        <p:style>
+          <a:lnRef idx="2">
+            <a:schemeClr val="accent2"/>
+          </a:lnRef>
+          <a:fillRef idx="1">
+            <a:schemeClr val="lt1"/>
+          </a:fillRef>
+          <a:effectRef idx="0">
+            <a:schemeClr val="accent2"/>
+          </a:effectRef>
+          <a:fontRef idx="minor">
+            <a:schemeClr val="dk1"/>
+          </a:fontRef>
+        </p:style>
+        <p:txBody>
+          <a:bodyPr wrap="square" rtlCol="0">
+            <a:spAutoFit/>
+          </a:bodyPr>
+          <a:lstStyle/>
+          <a:p>
+            <a:pPr algn="ctr"/>
+            <a:r>
+              <a:rPr lang="en-US" dirty="0" smtClean="0"/>
+              <a:t>1</a:t>
+            </a:r>
+            <a:endParaRPr lang="en-US" dirty="0"/>
+          </a:p>
+        </p:txBody>
+      </p:sp>
+      <p:sp>
+        <p:nvSpPr>
+          <p:cNvPr id="50" name="TextBox 49"/>
+          <p:cNvSpPr txBox="1"/>
+          <p:nvPr/>
+        </p:nvSpPr>
+        <p:spPr>
+          <a:xfrm>
+            <a:off x="4067210" y="4910730"/>
+            <a:ext cx="372732" cy="369332"/>
+          </a:xfrm>
+          <a:prstGeom prst="rect">
+            <a:avLst/>
+          </a:prstGeom>
+        </p:spPr>
+        <p:style>
+          <a:lnRef idx="2">
+            <a:schemeClr val="accent2"/>
+          </a:lnRef>
+          <a:fillRef idx="1">
+            <a:schemeClr val="lt1"/>
+          </a:fillRef>
+          <a:effectRef idx="0">
+            <a:schemeClr val="accent2"/>
+          </a:effectRef>
+          <a:fontRef idx="minor">
+            <a:schemeClr val="dk1"/>
+          </a:fontRef>
+        </p:style>
+        <p:txBody>
+          <a:bodyPr wrap="square" rtlCol="0">
+            <a:spAutoFit/>
+          </a:bodyPr>
+          <a:lstStyle/>
+          <a:p>
+            <a:pPr algn="ctr"/>
+            <a:r>
+              <a:rPr lang="en-US" dirty="0" smtClean="0"/>
+              <a:t>0</a:t>
+            </a:r>
+            <a:endParaRPr lang="en-US" dirty="0"/>
+          </a:p>
+        </p:txBody>
+      </p:sp>
+      <p:cxnSp>
+        <p:nvCxnSpPr>
+          <p:cNvPr id="51" name="Straight Arrow Connector 50"/>
+          <p:cNvCxnSpPr>
+            <a:endCxn id="49" idx="0"/>
+          </p:cNvCxnSpPr>
+          <p:nvPr/>
+        </p:nvCxnSpPr>
+        <p:spPr>
+          <a:xfrm flipH="1">
+            <a:off x="3508112" y="4497252"/>
+            <a:ext cx="372732" cy="413478"/>
+          </a:xfrm>
+          <a:prstGeom prst="straightConnector1">
+            <a:avLst/>
+          </a:prstGeom>
+          <a:ln>
+            <a:tailEnd type="arrow"/>
+          </a:ln>
+        </p:spPr>
+        <p:style>
+          <a:lnRef idx="2">
+            <a:schemeClr val="accent1"/>
+          </a:lnRef>
+          <a:fillRef idx="0">
+            <a:schemeClr val="accent1"/>
+          </a:fillRef>
+          <a:effectRef idx="1">
+            <a:schemeClr val="accent1"/>
+          </a:effectRef>
+          <a:fontRef idx="minor">
+            <a:schemeClr val="tx1"/>
+          </a:fontRef>
+        </p:style>
+      </p:cxnSp>
+      <p:sp>
+        <p:nvSpPr>
+          <p:cNvPr id="52" name="TextBox 51"/>
+          <p:cNvSpPr txBox="1"/>
+          <p:nvPr/>
+        </p:nvSpPr>
+        <p:spPr>
+          <a:xfrm>
+            <a:off x="3313171" y="4492788"/>
+            <a:ext cx="498650" cy="276999"/>
+          </a:xfrm>
+          <a:prstGeom prst="rect">
+            <a:avLst/>
+          </a:prstGeom>
+          <a:noFill/>
+        </p:spPr>
+        <p:txBody>
+          <a:bodyPr wrap="square" rtlCol="0">
+            <a:spAutoFit/>
+          </a:bodyPr>
+          <a:lstStyle/>
+          <a:p>
+            <a:r>
+              <a:rPr lang="en-US" sz="1200" dirty="0" smtClean="0"/>
+              <a:t>yes</a:t>
+            </a:r>
+            <a:endParaRPr lang="en-US" sz="1200" dirty="0"/>
+          </a:p>
+        </p:txBody>
+      </p:sp>
+      <p:cxnSp>
+        <p:nvCxnSpPr>
+          <p:cNvPr id="53" name="Straight Arrow Connector 52"/>
+          <p:cNvCxnSpPr/>
+          <p:nvPr/>
+        </p:nvCxnSpPr>
+        <p:spPr>
+          <a:xfrm>
+            <a:off x="3881405" y="4483980"/>
+            <a:ext cx="372732" cy="413478"/>
+          </a:xfrm>
+          <a:prstGeom prst="straightConnector1">
+            <a:avLst/>
+          </a:prstGeom>
+          <a:ln>
+            <a:tailEnd type="arrow"/>
+          </a:ln>
+        </p:spPr>
+        <p:style>
+          <a:lnRef idx="2">
+            <a:schemeClr val="accent1"/>
+          </a:lnRef>
+          <a:fillRef idx="0">
+            <a:schemeClr val="accent1"/>
+          </a:fillRef>
+          <a:effectRef idx="1">
+            <a:schemeClr val="accent1"/>
+          </a:effectRef>
+          <a:fontRef idx="minor">
+            <a:schemeClr val="tx1"/>
+          </a:fontRef>
+        </p:style>
+      </p:cxnSp>
+      <p:sp>
+        <p:nvSpPr>
+          <p:cNvPr id="55" name="TextBox 54"/>
+          <p:cNvSpPr txBox="1"/>
+          <p:nvPr/>
+        </p:nvSpPr>
+        <p:spPr>
+          <a:xfrm>
+            <a:off x="4043710" y="4492882"/>
+            <a:ext cx="498650" cy="276999"/>
+          </a:xfrm>
+          <a:prstGeom prst="rect">
+            <a:avLst/>
+          </a:prstGeom>
+          <a:noFill/>
+        </p:spPr>
+        <p:txBody>
+          <a:bodyPr wrap="square" rtlCol="0">
+            <a:spAutoFit/>
+          </a:bodyPr>
+          <a:lstStyle/>
+          <a:p>
+            <a:r>
+              <a:rPr lang="en-US" sz="1200" dirty="0" smtClean="0"/>
+              <a:t>no</a:t>
+            </a:r>
+            <a:endParaRPr lang="en-US" sz="1200" dirty="0"/>
+          </a:p>
+        </p:txBody>
+      </p:sp>
     </p:spTree>
     <p:extLst>
       <p:ext uri="{BB962C8B-B14F-4D97-AF65-F5344CB8AC3E}">
